--- a/Organisation/AblaufLernziele.pptx
+++ b/Organisation/AblaufLernziele.pptx
@@ -261,7 +261,7 @@
           <a:p>
             <a:fld id="{046020EE-0538-43AC-B003-1B5E1AFFB519}" type="datetimeFigureOut">
               <a:rPr lang="de-DE" smtClean="0"/>
-              <a:t>15.08.2023</a:t>
+              <a:t>18.09.2023</a:t>
             </a:fld>
             <a:endParaRPr lang="de-DE"/>
           </a:p>
@@ -459,7 +459,7 @@
           <a:p>
             <a:fld id="{046020EE-0538-43AC-B003-1B5E1AFFB519}" type="datetimeFigureOut">
               <a:rPr lang="de-DE" smtClean="0"/>
-              <a:t>15.08.2023</a:t>
+              <a:t>18.09.2023</a:t>
             </a:fld>
             <a:endParaRPr lang="de-DE"/>
           </a:p>
@@ -667,7 +667,7 @@
           <a:p>
             <a:fld id="{046020EE-0538-43AC-B003-1B5E1AFFB519}" type="datetimeFigureOut">
               <a:rPr lang="de-DE" smtClean="0"/>
-              <a:t>15.08.2023</a:t>
+              <a:t>18.09.2023</a:t>
             </a:fld>
             <a:endParaRPr lang="de-DE"/>
           </a:p>
@@ -865,7 +865,7 @@
           <a:p>
             <a:fld id="{046020EE-0538-43AC-B003-1B5E1AFFB519}" type="datetimeFigureOut">
               <a:rPr lang="de-DE" smtClean="0"/>
-              <a:t>15.08.2023</a:t>
+              <a:t>18.09.2023</a:t>
             </a:fld>
             <a:endParaRPr lang="de-DE"/>
           </a:p>
@@ -1140,7 +1140,7 @@
           <a:p>
             <a:fld id="{046020EE-0538-43AC-B003-1B5E1AFFB519}" type="datetimeFigureOut">
               <a:rPr lang="de-DE" smtClean="0"/>
-              <a:t>15.08.2023</a:t>
+              <a:t>18.09.2023</a:t>
             </a:fld>
             <a:endParaRPr lang="de-DE"/>
           </a:p>
@@ -1405,7 +1405,7 @@
           <a:p>
             <a:fld id="{046020EE-0538-43AC-B003-1B5E1AFFB519}" type="datetimeFigureOut">
               <a:rPr lang="de-DE" smtClean="0"/>
-              <a:t>15.08.2023</a:t>
+              <a:t>18.09.2023</a:t>
             </a:fld>
             <a:endParaRPr lang="de-DE"/>
           </a:p>
@@ -1817,7 +1817,7 @@
           <a:p>
             <a:fld id="{046020EE-0538-43AC-B003-1B5E1AFFB519}" type="datetimeFigureOut">
               <a:rPr lang="de-DE" smtClean="0"/>
-              <a:t>15.08.2023</a:t>
+              <a:t>18.09.2023</a:t>
             </a:fld>
             <a:endParaRPr lang="de-DE"/>
           </a:p>
@@ -1958,7 +1958,7 @@
           <a:p>
             <a:fld id="{046020EE-0538-43AC-B003-1B5E1AFFB519}" type="datetimeFigureOut">
               <a:rPr lang="de-DE" smtClean="0"/>
-              <a:t>15.08.2023</a:t>
+              <a:t>18.09.2023</a:t>
             </a:fld>
             <a:endParaRPr lang="de-DE"/>
           </a:p>
@@ -2071,7 +2071,7 @@
           <a:p>
             <a:fld id="{046020EE-0538-43AC-B003-1B5E1AFFB519}" type="datetimeFigureOut">
               <a:rPr lang="de-DE" smtClean="0"/>
-              <a:t>15.08.2023</a:t>
+              <a:t>18.09.2023</a:t>
             </a:fld>
             <a:endParaRPr lang="de-DE"/>
           </a:p>
@@ -2382,7 +2382,7 @@
           <a:p>
             <a:fld id="{046020EE-0538-43AC-B003-1B5E1AFFB519}" type="datetimeFigureOut">
               <a:rPr lang="de-DE" smtClean="0"/>
-              <a:t>15.08.2023</a:t>
+              <a:t>18.09.2023</a:t>
             </a:fld>
             <a:endParaRPr lang="de-DE"/>
           </a:p>
@@ -2670,7 +2670,7 @@
           <a:p>
             <a:fld id="{046020EE-0538-43AC-B003-1B5E1AFFB519}" type="datetimeFigureOut">
               <a:rPr lang="de-DE" smtClean="0"/>
-              <a:t>15.08.2023</a:t>
+              <a:t>18.09.2023</a:t>
             </a:fld>
             <a:endParaRPr lang="de-DE"/>
           </a:p>
@@ -2911,7 +2911,7 @@
           <a:p>
             <a:fld id="{046020EE-0538-43AC-B003-1B5E1AFFB519}" type="datetimeFigureOut">
               <a:rPr lang="de-DE" smtClean="0"/>
-              <a:t>15.08.2023</a:t>
+              <a:t>18.09.2023</a:t>
             </a:fld>
             <a:endParaRPr lang="de-DE"/>
           </a:p>
@@ -5960,8 +5960,12 @@
           <a:p>
             <a:pPr algn="ctr"/>
             <a:r>
+              <a:rPr lang="de-DE" sz="1400" dirty="0" err="1"/>
+              <a:t>Explainable</a:t>
+            </a:r>
+            <a:r>
               <a:rPr lang="de-DE" sz="1400" dirty="0"/>
-              <a:t>Evaluation</a:t>
+              <a:t> AI</a:t>
             </a:r>
           </a:p>
         </p:txBody>
@@ -6024,12 +6028,8 @@
           <a:p>
             <a:pPr algn="ctr"/>
             <a:r>
-              <a:rPr lang="de-DE" sz="1400" dirty="0" err="1"/>
-              <a:t>Explainable</a:t>
-            </a:r>
-            <a:r>
               <a:rPr lang="de-DE" sz="1400" dirty="0"/>
-              <a:t> AI</a:t>
+              <a:t>Evaluation</a:t>
             </a:r>
           </a:p>
         </p:txBody>
